--- a/schedule/ワンシート企画書.pptx
+++ b/schedule/ワンシート企画書.pptx
@@ -243,7 +243,7 @@
           <a:p>
             <a:fld id="{BBC123B1-0A9E-407F-A707-7F56FF17E2F8}" type="datetimeFigureOut">
               <a:rPr kumimoji="1" lang="ja-JP" altLang="en-US" smtClean="0"/>
-              <a:t>2020/10/16</a:t>
+              <a:t>2020/10/21</a:t>
             </a:fld>
             <a:endParaRPr kumimoji="1" lang="ja-JP" altLang="en-US"/>
           </a:p>
@@ -445,7 +445,7 @@
           <a:p>
             <a:fld id="{BBC123B1-0A9E-407F-A707-7F56FF17E2F8}" type="datetimeFigureOut">
               <a:rPr kumimoji="1" lang="ja-JP" altLang="en-US" smtClean="0"/>
-              <a:t>2020/10/16</a:t>
+              <a:t>2020/10/21</a:t>
             </a:fld>
             <a:endParaRPr kumimoji="1" lang="ja-JP" altLang="en-US"/>
           </a:p>
@@ -657,7 +657,7 @@
           <a:p>
             <a:fld id="{BBC123B1-0A9E-407F-A707-7F56FF17E2F8}" type="datetimeFigureOut">
               <a:rPr kumimoji="1" lang="ja-JP" altLang="en-US" smtClean="0"/>
-              <a:t>2020/10/16</a:t>
+              <a:t>2020/10/21</a:t>
             </a:fld>
             <a:endParaRPr kumimoji="1" lang="ja-JP" altLang="en-US"/>
           </a:p>
@@ -859,7 +859,7 @@
           <a:p>
             <a:fld id="{BBC123B1-0A9E-407F-A707-7F56FF17E2F8}" type="datetimeFigureOut">
               <a:rPr kumimoji="1" lang="ja-JP" altLang="en-US" smtClean="0"/>
-              <a:t>2020/10/16</a:t>
+              <a:t>2020/10/21</a:t>
             </a:fld>
             <a:endParaRPr kumimoji="1" lang="ja-JP" altLang="en-US"/>
           </a:p>
@@ -1105,7 +1105,7 @@
           <a:p>
             <a:fld id="{BBC123B1-0A9E-407F-A707-7F56FF17E2F8}" type="datetimeFigureOut">
               <a:rPr kumimoji="1" lang="ja-JP" altLang="en-US" smtClean="0"/>
-              <a:t>2020/10/16</a:t>
+              <a:t>2020/10/21</a:t>
             </a:fld>
             <a:endParaRPr kumimoji="1" lang="ja-JP" altLang="en-US"/>
           </a:p>
@@ -1401,7 +1401,7 @@
           <a:p>
             <a:fld id="{BBC123B1-0A9E-407F-A707-7F56FF17E2F8}" type="datetimeFigureOut">
               <a:rPr kumimoji="1" lang="ja-JP" altLang="en-US" smtClean="0"/>
-              <a:t>2020/10/16</a:t>
+              <a:t>2020/10/21</a:t>
             </a:fld>
             <a:endParaRPr kumimoji="1" lang="ja-JP" altLang="en-US"/>
           </a:p>
@@ -1832,7 +1832,7 @@
           <a:p>
             <a:fld id="{BBC123B1-0A9E-407F-A707-7F56FF17E2F8}" type="datetimeFigureOut">
               <a:rPr kumimoji="1" lang="ja-JP" altLang="en-US" smtClean="0"/>
-              <a:t>2020/10/16</a:t>
+              <a:t>2020/10/21</a:t>
             </a:fld>
             <a:endParaRPr kumimoji="1" lang="ja-JP" altLang="en-US"/>
           </a:p>
@@ -1950,7 +1950,7 @@
           <a:p>
             <a:fld id="{BBC123B1-0A9E-407F-A707-7F56FF17E2F8}" type="datetimeFigureOut">
               <a:rPr kumimoji="1" lang="ja-JP" altLang="en-US" smtClean="0"/>
-              <a:t>2020/10/16</a:t>
+              <a:t>2020/10/21</a:t>
             </a:fld>
             <a:endParaRPr kumimoji="1" lang="ja-JP" altLang="en-US"/>
           </a:p>
@@ -2045,7 +2045,7 @@
           <a:p>
             <a:fld id="{BBC123B1-0A9E-407F-A707-7F56FF17E2F8}" type="datetimeFigureOut">
               <a:rPr kumimoji="1" lang="ja-JP" altLang="en-US" smtClean="0"/>
-              <a:t>2020/10/16</a:t>
+              <a:t>2020/10/21</a:t>
             </a:fld>
             <a:endParaRPr kumimoji="1" lang="ja-JP" altLang="en-US"/>
           </a:p>
@@ -2354,7 +2354,7 @@
           <a:p>
             <a:fld id="{BBC123B1-0A9E-407F-A707-7F56FF17E2F8}" type="datetimeFigureOut">
               <a:rPr kumimoji="1" lang="ja-JP" altLang="en-US" smtClean="0"/>
-              <a:t>2020/10/16</a:t>
+              <a:t>2020/10/21</a:t>
             </a:fld>
             <a:endParaRPr kumimoji="1" lang="ja-JP" altLang="en-US"/>
           </a:p>
@@ -2607,7 +2607,7 @@
           <a:p>
             <a:fld id="{BBC123B1-0A9E-407F-A707-7F56FF17E2F8}" type="datetimeFigureOut">
               <a:rPr kumimoji="1" lang="ja-JP" altLang="en-US" smtClean="0"/>
-              <a:t>2020/10/16</a:t>
+              <a:t>2020/10/21</a:t>
             </a:fld>
             <a:endParaRPr kumimoji="1" lang="ja-JP" altLang="en-US"/>
           </a:p>
@@ -2852,7 +2852,7 @@
           <a:p>
             <a:fld id="{BBC123B1-0A9E-407F-A707-7F56FF17E2F8}" type="datetimeFigureOut">
               <a:rPr kumimoji="1" lang="ja-JP" altLang="en-US" smtClean="0"/>
-              <a:t>2020/10/16</a:t>
+              <a:t>2020/10/21</a:t>
             </a:fld>
             <a:endParaRPr kumimoji="1" lang="ja-JP" altLang="en-US"/>
           </a:p>
@@ -3622,7 +3622,7 @@
         <p:spPr>
           <a:xfrm>
             <a:off x="9417411" y="935058"/>
-            <a:ext cx="2352501" cy="646331"/>
+            <a:ext cx="1863497" cy="646331"/>
           </a:xfrm>
           <a:prstGeom prst="rect">
             <a:avLst/>
